--- a/writing/plan_7jun_21.pptx
+++ b/writing/plan_7jun_21.pptx
@@ -267,7 +267,7 @@
           <a:p>
             <a:fld id="{FFC7EE4D-82ED-E64E-9586-C39AAD1161F8}" type="datetimeFigureOut">
               <a:rPr lang="en-US" smtClean="0"/>
-              <a:t>6/29/21</a:t>
+              <a:t>5/12/22</a:t>
             </a:fld>
             <a:endParaRPr lang="en-US"/>
           </a:p>
@@ -465,7 +465,7 @@
           <a:p>
             <a:fld id="{FFC7EE4D-82ED-E64E-9586-C39AAD1161F8}" type="datetimeFigureOut">
               <a:rPr lang="en-US" smtClean="0"/>
-              <a:t>6/29/21</a:t>
+              <a:t>5/12/22</a:t>
             </a:fld>
             <a:endParaRPr lang="en-US"/>
           </a:p>
@@ -673,7 +673,7 @@
           <a:p>
             <a:fld id="{FFC7EE4D-82ED-E64E-9586-C39AAD1161F8}" type="datetimeFigureOut">
               <a:rPr lang="en-US" smtClean="0"/>
-              <a:t>6/29/21</a:t>
+              <a:t>5/12/22</a:t>
             </a:fld>
             <a:endParaRPr lang="en-US"/>
           </a:p>
@@ -871,7 +871,7 @@
           <a:p>
             <a:fld id="{FFC7EE4D-82ED-E64E-9586-C39AAD1161F8}" type="datetimeFigureOut">
               <a:rPr lang="en-US" smtClean="0"/>
-              <a:t>6/29/21</a:t>
+              <a:t>5/12/22</a:t>
             </a:fld>
             <a:endParaRPr lang="en-US"/>
           </a:p>
@@ -1146,7 +1146,7 @@
           <a:p>
             <a:fld id="{FFC7EE4D-82ED-E64E-9586-C39AAD1161F8}" type="datetimeFigureOut">
               <a:rPr lang="en-US" smtClean="0"/>
-              <a:t>6/29/21</a:t>
+              <a:t>5/12/22</a:t>
             </a:fld>
             <a:endParaRPr lang="en-US"/>
           </a:p>
@@ -1411,7 +1411,7 @@
           <a:p>
             <a:fld id="{FFC7EE4D-82ED-E64E-9586-C39AAD1161F8}" type="datetimeFigureOut">
               <a:rPr lang="en-US" smtClean="0"/>
-              <a:t>6/29/21</a:t>
+              <a:t>5/12/22</a:t>
             </a:fld>
             <a:endParaRPr lang="en-US"/>
           </a:p>
@@ -1823,7 +1823,7 @@
           <a:p>
             <a:fld id="{FFC7EE4D-82ED-E64E-9586-C39AAD1161F8}" type="datetimeFigureOut">
               <a:rPr lang="en-US" smtClean="0"/>
-              <a:t>6/29/21</a:t>
+              <a:t>5/12/22</a:t>
             </a:fld>
             <a:endParaRPr lang="en-US"/>
           </a:p>
@@ -1964,7 +1964,7 @@
           <a:p>
             <a:fld id="{FFC7EE4D-82ED-E64E-9586-C39AAD1161F8}" type="datetimeFigureOut">
               <a:rPr lang="en-US" smtClean="0"/>
-              <a:t>6/29/21</a:t>
+              <a:t>5/12/22</a:t>
             </a:fld>
             <a:endParaRPr lang="en-US"/>
           </a:p>
@@ -2077,7 +2077,7 @@
           <a:p>
             <a:fld id="{FFC7EE4D-82ED-E64E-9586-C39AAD1161F8}" type="datetimeFigureOut">
               <a:rPr lang="en-US" smtClean="0"/>
-              <a:t>6/29/21</a:t>
+              <a:t>5/12/22</a:t>
             </a:fld>
             <a:endParaRPr lang="en-US"/>
           </a:p>
@@ -2388,7 +2388,7 @@
           <a:p>
             <a:fld id="{FFC7EE4D-82ED-E64E-9586-C39AAD1161F8}" type="datetimeFigureOut">
               <a:rPr lang="en-US" smtClean="0"/>
-              <a:t>6/29/21</a:t>
+              <a:t>5/12/22</a:t>
             </a:fld>
             <a:endParaRPr lang="en-US"/>
           </a:p>
@@ -2676,7 +2676,7 @@
           <a:p>
             <a:fld id="{FFC7EE4D-82ED-E64E-9586-C39AAD1161F8}" type="datetimeFigureOut">
               <a:rPr lang="en-US" smtClean="0"/>
-              <a:t>6/29/21</a:t>
+              <a:t>5/12/22</a:t>
             </a:fld>
             <a:endParaRPr lang="en-US"/>
           </a:p>
@@ -2917,7 +2917,7 @@
           <a:p>
             <a:fld id="{FFC7EE4D-82ED-E64E-9586-C39AAD1161F8}" type="datetimeFigureOut">
               <a:rPr lang="en-US" smtClean="0"/>
-              <a:t>6/29/21</a:t>
+              <a:t>5/12/22</a:t>
             </a:fld>
             <a:endParaRPr lang="en-US"/>
           </a:p>
@@ -3893,7 +3893,7 @@
         </p:nvSpPr>
         <p:spPr>
           <a:xfrm>
-            <a:off x="5964122" y="1449846"/>
+            <a:off x="5928807" y="750098"/>
             <a:ext cx="6212610" cy="5509200"/>
           </a:xfrm>
           <a:prstGeom prst="rect">
